--- a/統合マスタVer.2要件定義書__チェック機能_.pptx
+++ b/統合マスタVer.2要件定義書__チェック機能_.pptx
@@ -5,10 +5,10 @@
     <p:sldMasterId id="2147483687" r:id="rId4"/>
   </p:sldMasterIdLst>
   <p:notesMasterIdLst>
-    <p:notesMasterId r:id="rId16"/>
+    <p:notesMasterId r:id="rId17"/>
   </p:notesMasterIdLst>
   <p:handoutMasterIdLst>
-    <p:handoutMasterId r:id="rId17"/>
+    <p:handoutMasterId r:id="rId18"/>
   </p:handoutMasterIdLst>
   <p:sldIdLst>
     <p:sldId id="813" r:id="rId5"/>
@@ -19,9 +19,10 @@
     <p:sldId id="1010" r:id="rId10"/>
     <p:sldId id="1018" r:id="rId11"/>
     <p:sldId id="1019" r:id="rId12"/>
-    <p:sldId id="1016" r:id="rId13"/>
-    <p:sldId id="1017" r:id="rId14"/>
-    <p:sldId id="1015" r:id="rId15"/>
+    <p:sldId id="1020" r:id="rId13"/>
+    <p:sldId id="1016" r:id="rId14"/>
+    <p:sldId id="1017" r:id="rId15"/>
+    <p:sldId id="1015" r:id="rId16"/>
   </p:sldIdLst>
   <p:sldSz cx="12192000" cy="6858000"/>
   <p:notesSz cx="6858000" cy="9144000"/>
@@ -264,7 +265,7 @@
           <a:p>
             <a:fld id="{7CFB3149-E8DE-4273-B7FB-EDFEB61AC35F}" type="datetimeFigureOut">
               <a:rPr kumimoji="1" lang="ja-JP" altLang="en-US" smtClean="0"/>
-              <a:t>2022/8/5</a:t>
+              <a:t>2022/8/18</a:t>
             </a:fld>
             <a:endParaRPr kumimoji="1" lang="ja-JP" altLang="en-US" dirty="0"/>
           </a:p>
@@ -429,7 +430,7 @@
           <a:p>
             <a:fld id="{D9F6548A-C6CF-4C6A-8E66-898AA5274F21}" type="datetimeFigureOut">
               <a:rPr kumimoji="1" lang="ja-JP" altLang="en-US" smtClean="0"/>
-              <a:t>2022/8/5</a:t>
+              <a:t>2022/8/18</a:t>
             </a:fld>
             <a:endParaRPr kumimoji="1" lang="ja-JP" altLang="en-US" dirty="0"/>
           </a:p>
@@ -5494,6 +5495,141 @@
       </p:grpSpPr>
       <p:sp>
         <p:nvSpPr>
+          <p:cNvPr id="2" name="タイトル 1"/>
+          <p:cNvSpPr>
+            <a:spLocks noGrp="1"/>
+          </p:cNvSpPr>
+          <p:nvPr>
+            <p:ph type="title"/>
+          </p:nvPr>
+        </p:nvSpPr>
+        <p:spPr/>
+        <p:txBody>
+          <a:bodyPr/>
+          <a:lstStyle/>
+          <a:p>
+            <a:r>
+              <a:rPr kumimoji="1" lang="en-US" altLang="ja-JP" dirty="0" smtClean="0"/>
+              <a:t>Ape</a:t>
+            </a:r>
+            <a:endParaRPr kumimoji="1" lang="ja-JP" altLang="en-US" dirty="0"/>
+          </a:p>
+        </p:txBody>
+      </p:sp>
+      <p:sp>
+        <p:nvSpPr>
+          <p:cNvPr id="3" name="テキスト プレースホルダー 2"/>
+          <p:cNvSpPr>
+            <a:spLocks noGrp="1"/>
+          </p:cNvSpPr>
+          <p:nvPr>
+            <p:ph type="body" sz="quarter" idx="16"/>
+          </p:nvPr>
+        </p:nvSpPr>
+        <p:spPr/>
+        <p:txBody>
+          <a:bodyPr/>
+          <a:lstStyle/>
+          <a:p>
+            <a:endParaRPr kumimoji="1" lang="ja-JP" altLang="en-US"/>
+          </a:p>
+        </p:txBody>
+      </p:sp>
+      <p:sp>
+        <p:nvSpPr>
+          <p:cNvPr id="4" name="テキスト プレースホルダー 3"/>
+          <p:cNvSpPr>
+            <a:spLocks noGrp="1"/>
+          </p:cNvSpPr>
+          <p:nvPr>
+            <p:ph type="body" sz="quarter" idx="14"/>
+          </p:nvPr>
+        </p:nvSpPr>
+        <p:spPr/>
+        <p:txBody>
+          <a:bodyPr/>
+          <a:lstStyle/>
+          <a:p>
+            <a:endParaRPr kumimoji="1" lang="ja-JP" altLang="en-US"/>
+          </a:p>
+        </p:txBody>
+      </p:sp>
+      <p:sp>
+        <p:nvSpPr>
+          <p:cNvPr id="5" name="スライド番号プレースホルダー 4"/>
+          <p:cNvSpPr>
+            <a:spLocks noGrp="1"/>
+          </p:cNvSpPr>
+          <p:nvPr>
+            <p:ph type="sldNum" sz="quarter" idx="17"/>
+          </p:nvPr>
+        </p:nvSpPr>
+        <p:spPr/>
+        <p:txBody>
+          <a:bodyPr/>
+          <a:lstStyle/>
+          <a:p>
+            <a:pPr eaLnBrk="0" hangingPunct="0">
+              <a:tabLst>
+                <a:tab pos="568218" algn="ctr"/>
+                <a:tab pos="857089" algn="l"/>
+                <a:tab pos="1088820" algn="l"/>
+              </a:tabLst>
+            </a:pPr>
+            <a:fld id="{C0A530F1-D8C6-4A93-9917-2C1FE34DC798}" type="slidenum">
+              <a:rPr lang="en-US" altLang="ja-JP" smtClean="0"/>
+              <a:pPr eaLnBrk="0" hangingPunct="0">
+                <a:tabLst>
+                  <a:tab pos="568218" algn="ctr"/>
+                  <a:tab pos="857089" algn="l"/>
+                  <a:tab pos="1088820" algn="l"/>
+                </a:tabLst>
+              </a:pPr>
+              <a:t>9</a:t>
+            </a:fld>
+            <a:endParaRPr lang="en-US" altLang="ja-JP" dirty="0"/>
+          </a:p>
+        </p:txBody>
+      </p:sp>
+    </p:spTree>
+    <p:extLst>
+      <p:ext uri="{BB962C8B-B14F-4D97-AF65-F5344CB8AC3E}">
+        <p14:creationId xmlns:p14="http://schemas.microsoft.com/office/powerpoint/2010/main" val="1691329704"/>
+      </p:ext>
+    </p:extLst>
+  </p:cSld>
+  <p:clrMapOvr>
+    <a:masterClrMapping/>
+  </p:clrMapOvr>
+  <p:timing>
+    <p:tnLst>
+      <p:par>
+        <p:cTn id="1" dur="indefinite" restart="never" nodeType="tmRoot"/>
+      </p:par>
+    </p:tnLst>
+  </p:timing>
+</p:sld>
+</file>
+
+<file path=ppt/slides/slide11.xml><?xml version="1.0" encoding="utf-8"?>
+<p:sld xmlns:a="http://schemas.openxmlformats.org/drawingml/2006/main" xmlns:r="http://schemas.openxmlformats.org/officeDocument/2006/relationships" xmlns:p="http://schemas.openxmlformats.org/presentationml/2006/main">
+  <p:cSld>
+    <p:spTree>
+      <p:nvGrpSpPr>
+        <p:cNvPr id="1" name=""/>
+        <p:cNvGrpSpPr/>
+        <p:nvPr/>
+      </p:nvGrpSpPr>
+      <p:grpSpPr>
+        <a:xfrm>
+          <a:off x="0" y="0"/>
+          <a:ext cx="0" cy="0"/>
+          <a:chOff x="0" y="0"/>
+          <a:chExt cx="0" cy="0"/>
+        </a:xfrm>
+      </p:grpSpPr>
+      <p:sp>
+        <p:nvSpPr>
           <p:cNvPr id="95" name="角丸四角形 94"/>
           <p:cNvSpPr/>
           <p:nvPr/>
@@ -5608,7 +5744,7 @@
                   <a:tab pos="1088820" algn="l"/>
                 </a:tabLst>
               </a:pPr>
-              <a:t>9</a:t>
+              <a:t>10</a:t>
             </a:fld>
             <a:endParaRPr lang="en-US" altLang="ja-JP" dirty="0"/>
           </a:p>
@@ -6642,10 +6778,17 @@
   <p:clrMapOvr>
     <a:masterClrMapping/>
   </p:clrMapOvr>
+  <p:timing>
+    <p:tnLst>
+      <p:par>
+        <p:cTn id="1" dur="indefinite" restart="never" nodeType="tmRoot"/>
+      </p:par>
+    </p:tnLst>
+  </p:timing>
 </p:sld>
 </file>
 
-<file path=ppt/slides/slide11.xml><?xml version="1.0" encoding="utf-8"?>
+<file path=ppt/slides/slide12.xml><?xml version="1.0" encoding="utf-8"?>
 <p:sld xmlns:a="http://schemas.openxmlformats.org/drawingml/2006/main" xmlns:r="http://schemas.openxmlformats.org/officeDocument/2006/relationships" xmlns:p="http://schemas.openxmlformats.org/presentationml/2006/main">
   <p:cSld>
     <p:spTree>
@@ -6730,7 +6873,7 @@
                   <a:tab pos="1088820" algn="l"/>
                 </a:tabLst>
               </a:pPr>
-              <a:t>10</a:t>
+              <a:t>11</a:t>
             </a:fld>
             <a:endParaRPr lang="en-US" altLang="ja-JP" dirty="0"/>
           </a:p>
@@ -7691,7 +7834,7 @@
           <p:cNvPr id="10" name="表 9">
             <a:extLst>
               <a:ext uri="{FF2B5EF4-FFF2-40B4-BE49-F238E27FC236}">
-                <a16:creationId xmlns:a16="http://schemas.microsoft.com/office/drawing/2014/main" xmlns="" id="{083AF845-05BB-4349-99FA-AECE5090C604}"/>
+                <a16:creationId xmlns="" xmlns:a16="http://schemas.microsoft.com/office/drawing/2014/main" id="{083AF845-05BB-4349-99FA-AECE5090C604}"/>
               </a:ext>
             </a:extLst>
           </p:cNvPr>
@@ -7720,35 +7863,35 @@
                 <a:gridCol w="810417">
                   <a:extLst>
                     <a:ext uri="{9D8B030D-6E8A-4147-A177-3AD203B41FA5}">
-                      <a16:colId xmlns:a16="http://schemas.microsoft.com/office/drawing/2014/main" xmlns="" val="698751098"/>
+                      <a16:colId xmlns="" xmlns:a16="http://schemas.microsoft.com/office/drawing/2014/main" val="698751098"/>
                     </a:ext>
                   </a:extLst>
                 </a:gridCol>
                 <a:gridCol w="1696811">
                   <a:extLst>
                     <a:ext uri="{9D8B030D-6E8A-4147-A177-3AD203B41FA5}">
-                      <a16:colId xmlns:a16="http://schemas.microsoft.com/office/drawing/2014/main" xmlns="" val="3811415874"/>
+                      <a16:colId xmlns="" xmlns:a16="http://schemas.microsoft.com/office/drawing/2014/main" val="3811415874"/>
                     </a:ext>
                   </a:extLst>
                 </a:gridCol>
                 <a:gridCol w="1353107">
                   <a:extLst>
                     <a:ext uri="{9D8B030D-6E8A-4147-A177-3AD203B41FA5}">
-                      <a16:colId xmlns:a16="http://schemas.microsoft.com/office/drawing/2014/main" xmlns="" val="3575788614"/>
+                      <a16:colId xmlns="" xmlns:a16="http://schemas.microsoft.com/office/drawing/2014/main" val="3575788614"/>
                     </a:ext>
                   </a:extLst>
                 </a:gridCol>
                 <a:gridCol w="1353107">
                   <a:extLst>
                     <a:ext uri="{9D8B030D-6E8A-4147-A177-3AD203B41FA5}">
-                      <a16:colId xmlns:a16="http://schemas.microsoft.com/office/drawing/2014/main" xmlns="" val="1053934314"/>
+                      <a16:colId xmlns="" xmlns:a16="http://schemas.microsoft.com/office/drawing/2014/main" val="1053934314"/>
                     </a:ext>
                   </a:extLst>
                 </a:gridCol>
                 <a:gridCol w="6298820">
                   <a:extLst>
                     <a:ext uri="{9D8B030D-6E8A-4147-A177-3AD203B41FA5}">
-                      <a16:colId xmlns:a16="http://schemas.microsoft.com/office/drawing/2014/main" xmlns="" val="3751057808"/>
+                      <a16:colId xmlns="" xmlns:a16="http://schemas.microsoft.com/office/drawing/2014/main" val="3751057808"/>
                     </a:ext>
                   </a:extLst>
                 </a:gridCol>
@@ -7822,7 +7965,7 @@
                 </a:tc>
                 <a:extLst>
                   <a:ext uri="{0D108BD9-81ED-4DB2-BD59-A6C34878D82A}">
-                    <a16:rowId xmlns:a16="http://schemas.microsoft.com/office/drawing/2014/main" xmlns="" val="1321770745"/>
+                    <a16:rowId xmlns="" xmlns:a16="http://schemas.microsoft.com/office/drawing/2014/main" val="1321770745"/>
                   </a:ext>
                 </a:extLst>
               </a:tr>
@@ -7898,7 +8041,7 @@
                 </a:tc>
                 <a:extLst>
                   <a:ext uri="{0D108BD9-81ED-4DB2-BD59-A6C34878D82A}">
-                    <a16:rowId xmlns:a16="http://schemas.microsoft.com/office/drawing/2014/main" xmlns="" val="1940696718"/>
+                    <a16:rowId xmlns="" xmlns:a16="http://schemas.microsoft.com/office/drawing/2014/main" val="1940696718"/>
                   </a:ext>
                 </a:extLst>
               </a:tr>
@@ -7955,7 +8098,7 @@
                 </a:tc>
                 <a:extLst>
                   <a:ext uri="{0D108BD9-81ED-4DB2-BD59-A6C34878D82A}">
-                    <a16:rowId xmlns:a16="http://schemas.microsoft.com/office/drawing/2014/main" xmlns="" val="2681436705"/>
+                    <a16:rowId xmlns="" xmlns:a16="http://schemas.microsoft.com/office/drawing/2014/main" val="2681436705"/>
                   </a:ext>
                 </a:extLst>
               </a:tr>
@@ -8012,7 +8155,7 @@
                 </a:tc>
                 <a:extLst>
                   <a:ext uri="{0D108BD9-81ED-4DB2-BD59-A6C34878D82A}">
-                    <a16:rowId xmlns:a16="http://schemas.microsoft.com/office/drawing/2014/main" xmlns="" val="2531023828"/>
+                    <a16:rowId xmlns="" xmlns:a16="http://schemas.microsoft.com/office/drawing/2014/main" val="2531023828"/>
                   </a:ext>
                 </a:extLst>
               </a:tr>
@@ -10908,7 +11051,7 @@
             </a:r>
             <a:r>
               <a:rPr lang="en-US" altLang="ja-JP" dirty="0" err="1" smtClean="0"/>
-              <a:t>Warrning,Errer</a:t>
+              <a:t>Warrning,Error</a:t>
             </a:r>
             <a:r>
               <a:rPr lang="en-US" altLang="ja-JP" dirty="0" smtClean="0"/>
@@ -18946,8 +19089,12 @@
           </a:p>
           <a:p>
             <a:r>
+              <a:rPr kumimoji="1" lang="ja-JP" altLang="en-US" b="1" dirty="0" smtClean="0"/>
+              <a:t>・位置指定演算子　　</a:t>
+            </a:r>
+            <a:r>
               <a:rPr kumimoji="1" lang="ja-JP" altLang="en-US" dirty="0" smtClean="0"/>
-              <a:t>・位置指定演算子　　　　　　　　　　　　　　　　　　　　　　　　　　　</a:t>
+              <a:t>　　　　　　　　　　　　　　　　　　　　　　　　　</a:t>
             </a:r>
             <a:endParaRPr kumimoji="1" lang="en-US" altLang="ja-JP" dirty="0" smtClean="0"/>
           </a:p>
@@ -19022,10 +19169,10 @@
           </a:p>
           <a:p>
             <a:r>
-              <a:rPr lang="ja-JP" altLang="en-US" dirty="0" smtClean="0"/>
+              <a:rPr lang="ja-JP" altLang="en-US" b="1" dirty="0" smtClean="0"/>
               <a:t>・論理演算子</a:t>
             </a:r>
-            <a:endParaRPr lang="en-US" altLang="ja-JP" dirty="0" smtClean="0"/>
+            <a:endParaRPr lang="en-US" altLang="ja-JP" b="1" dirty="0" smtClean="0"/>
           </a:p>
           <a:p>
             <a:r>
@@ -19167,8 +19314,8 @@
         </p:nvSpPr>
         <p:spPr>
           <a:xfrm>
-            <a:off x="6523597" y="4261535"/>
-            <a:ext cx="5797779" cy="1815882"/>
+            <a:off x="6394221" y="4217345"/>
+            <a:ext cx="5797779" cy="1846659"/>
           </a:xfrm>
           <a:prstGeom prst="rect">
             <a:avLst/>
@@ -19182,10 +19329,10 @@
           <a:lstStyle/>
           <a:p>
             <a:r>
-              <a:rPr lang="ja-JP" altLang="en-US" dirty="0" smtClean="0"/>
+              <a:rPr lang="ja-JP" altLang="en-US" b="1" dirty="0" smtClean="0"/>
               <a:t>・ルール演算子</a:t>
             </a:r>
-            <a:endParaRPr lang="en-US" altLang="ja-JP" dirty="0" smtClean="0"/>
+            <a:endParaRPr lang="en-US" altLang="ja-JP" b="1" dirty="0" smtClean="0"/>
           </a:p>
           <a:p>
             <a:r>
@@ -19326,6 +19473,13 @@
               </a:rPr>
               <a:t>する</a:t>
             </a:r>
+            <a:endParaRPr lang="en-US" altLang="ja-JP" dirty="0" smtClean="0">
+              <a:solidFill>
+                <a:schemeClr val="dk1"/>
+              </a:solidFill>
+            </a:endParaRPr>
+          </a:p>
+          <a:p>
             <a:r>
               <a:rPr lang="ja-JP" altLang="en-US" sz="2000" dirty="0" smtClean="0"/>
               <a:t>∄</a:t>
@@ -19482,7 +19636,7 @@
           <p:nvPr>
             <p:extLst>
               <p:ext uri="{D42A27DB-BD31-4B8C-83A1-F6EECF244321}">
-                <p14:modId xmlns:p14="http://schemas.microsoft.com/office/powerpoint/2010/main" val="2792848916"/>
+                <p14:modId xmlns:p14="http://schemas.microsoft.com/office/powerpoint/2010/main" val="3868974049"/>
               </p:ext>
             </p:extLst>
           </p:nvPr>
@@ -19720,7 +19874,7 @@
                       </a:pPr>
                       <a:r>
                         <a:rPr kumimoji="1" lang="en-US" altLang="ja-JP" dirty="0" err="1" smtClean="0"/>
-                        <a:t>MainPDType</a:t>
+                        <a:t>MainPD</a:t>
                       </a:r>
                       <a:endParaRPr kumimoji="1" lang="en-US" altLang="ja-JP" dirty="0" smtClean="0"/>
                     </a:p>
@@ -22552,57 +22706,6 @@
               <a:t>レスポンス</a:t>
             </a:r>
             <a:endParaRPr kumimoji="1" lang="ja-JP" altLang="en-US" dirty="0"/>
-          </a:p>
-        </p:txBody>
-      </p:sp>
-      <p:sp>
-        <p:nvSpPr>
-          <p:cNvPr id="48" name="角丸四角形 47"/>
-          <p:cNvSpPr/>
-          <p:nvPr/>
-        </p:nvSpPr>
-        <p:spPr>
-          <a:xfrm>
-            <a:off x="2480748" y="1748103"/>
-            <a:ext cx="1592580" cy="1140245"/>
-          </a:xfrm>
-          <a:prstGeom prst="roundRect">
-            <a:avLst/>
-          </a:prstGeom>
-          <a:solidFill>
-            <a:schemeClr val="accent2">
-              <a:lumMod val="75000"/>
-            </a:schemeClr>
-          </a:solidFill>
-          <a:ln>
-            <a:noFill/>
-          </a:ln>
-        </p:spPr>
-        <p:style>
-          <a:lnRef idx="2">
-            <a:schemeClr val="accent1">
-              <a:shade val="50000"/>
-            </a:schemeClr>
-          </a:lnRef>
-          <a:fillRef idx="1">
-            <a:schemeClr val="accent1"/>
-          </a:fillRef>
-          <a:effectRef idx="0">
-            <a:schemeClr val="accent1"/>
-          </a:effectRef>
-          <a:fontRef idx="minor">
-            <a:schemeClr val="lt1"/>
-          </a:fontRef>
-        </p:style>
-        <p:txBody>
-          <a:bodyPr rtlCol="0" anchor="ctr"/>
-          <a:lstStyle/>
-          <a:p>
-            <a:pPr algn="ctr"/>
-            <a:r>
-              <a:rPr kumimoji="1" lang="ja-JP" altLang="en-US" dirty="0" smtClean="0"/>
-              <a:t>コントローラ</a:t>
-            </a:r>
           </a:p>
         </p:txBody>
       </p:sp>
@@ -24331,6 +24434,57 @@
           </a:p>
         </p:txBody>
       </p:sp>
+      <p:sp>
+        <p:nvSpPr>
+          <p:cNvPr id="48" name="角丸四角形 47"/>
+          <p:cNvSpPr/>
+          <p:nvPr/>
+        </p:nvSpPr>
+        <p:spPr>
+          <a:xfrm>
+            <a:off x="2480748" y="1748103"/>
+            <a:ext cx="1592580" cy="1140245"/>
+          </a:xfrm>
+          <a:prstGeom prst="roundRect">
+            <a:avLst/>
+          </a:prstGeom>
+          <a:solidFill>
+            <a:schemeClr val="accent2">
+              <a:lumMod val="75000"/>
+            </a:schemeClr>
+          </a:solidFill>
+          <a:ln>
+            <a:noFill/>
+          </a:ln>
+        </p:spPr>
+        <p:style>
+          <a:lnRef idx="2">
+            <a:schemeClr val="accent1">
+              <a:shade val="50000"/>
+            </a:schemeClr>
+          </a:lnRef>
+          <a:fillRef idx="1">
+            <a:schemeClr val="accent1"/>
+          </a:fillRef>
+          <a:effectRef idx="0">
+            <a:schemeClr val="accent1"/>
+          </a:effectRef>
+          <a:fontRef idx="minor">
+            <a:schemeClr val="lt1"/>
+          </a:fontRef>
+        </p:style>
+        <p:txBody>
+          <a:bodyPr rtlCol="0" anchor="ctr"/>
+          <a:lstStyle/>
+          <a:p>
+            <a:pPr algn="ctr"/>
+            <a:r>
+              <a:rPr kumimoji="1" lang="ja-JP" altLang="en-US" dirty="0" smtClean="0"/>
+              <a:t>コントローラ</a:t>
+            </a:r>
+          </a:p>
+        </p:txBody>
+      </p:sp>
     </p:spTree>
     <p:extLst>
       <p:ext uri="{BB962C8B-B14F-4D97-AF65-F5344CB8AC3E}">
@@ -24341,6 +24495,13 @@
   <p:clrMapOvr>
     <a:masterClrMapping/>
   </p:clrMapOvr>
+  <p:timing>
+    <p:tnLst>
+      <p:par>
+        <p:cTn id="1" dur="indefinite" restart="never" nodeType="tmRoot"/>
+      </p:par>
+    </p:tnLst>
+  </p:timing>
 </p:sld>
 </file>
 
@@ -30371,6 +30532,13 @@
   <p:clrMapOvr>
     <a:masterClrMapping/>
   </p:clrMapOvr>
+  <p:timing>
+    <p:tnLst>
+      <p:par>
+        <p:cTn id="1" dur="indefinite" restart="never" nodeType="tmRoot"/>
+      </p:par>
+    </p:tnLst>
+  </p:timing>
 </p:sld>
 </file>
 
@@ -30407,8 +30575,8 @@
           <a:lstStyle/>
           <a:p>
             <a:r>
-              <a:rPr kumimoji="1" lang="en-US" altLang="ja-JP" dirty="0" smtClean="0"/>
-              <a:t>Ape</a:t>
+              <a:rPr lang="ja-JP" altLang="en-US" dirty="0" smtClean="0"/>
+              <a:t>効果見積もり</a:t>
             </a:r>
             <a:endParaRPr kumimoji="1" lang="ja-JP" altLang="en-US" dirty="0"/>
           </a:p>
@@ -30492,7 +30660,7 @@
     </p:spTree>
     <p:extLst>
       <p:ext uri="{BB962C8B-B14F-4D97-AF65-F5344CB8AC3E}">
-        <p14:creationId xmlns:p14="http://schemas.microsoft.com/office/powerpoint/2010/main" val="1691329704"/>
+        <p14:creationId xmlns:p14="http://schemas.microsoft.com/office/powerpoint/2010/main" val="1551546837"/>
       </p:ext>
     </p:extLst>
   </p:cSld>
@@ -31287,6 +31455,12 @@
 </file>
 
 <file path=customXml/item2.xml><?xml version="1.0" encoding="utf-8"?>
+<p:properties xmlns:p="http://schemas.microsoft.com/office/2006/metadata/properties" xmlns:xsi="http://www.w3.org/2001/XMLSchema-instance" xmlns:pc="http://schemas.microsoft.com/office/infopath/2007/PartnerControls">
+  <documentManagement/>
+</p:properties>
+</file>
+
+<file path=customXml/item3.xml><?xml version="1.0" encoding="utf-8"?>
 <ct:contentTypeSchema xmlns:ct="http://schemas.microsoft.com/office/2006/metadata/contentType" xmlns:ma="http://schemas.microsoft.com/office/2006/metadata/properties/metaAttributes" ct:_="" ma:_="" ma:contentTypeName="ドキュメント" ma:contentTypeID="0x010100D244A04E08B78943BE7A7F2F6BBCC2D2" ma:contentTypeVersion="0" ma:contentTypeDescription="新しいドキュメントを作成します。" ma:contentTypeScope="" ma:versionID="32be60a274504ec1bb21676d74bba7e1">
   <xsd:schema xmlns:xsd="http://www.w3.org/2001/XMLSchema" xmlns:xs="http://www.w3.org/2001/XMLSchema" xmlns:p="http://schemas.microsoft.com/office/2006/metadata/properties" targetNamespace="http://schemas.microsoft.com/office/2006/metadata/properties" ma:root="true" ma:fieldsID="01043026c433cfa93f9b1607a474f967">
     <xsd:element name="properties">
@@ -31400,12 +31574,6 @@
 </ct:contentTypeSchema>
 </file>
 
-<file path=customXml/item3.xml><?xml version="1.0" encoding="utf-8"?>
-<p:properties xmlns:p="http://schemas.microsoft.com/office/2006/metadata/properties" xmlns:xsi="http://www.w3.org/2001/XMLSchema-instance" xmlns:pc="http://schemas.microsoft.com/office/infopath/2007/PartnerControls">
-  <documentManagement/>
-</p:properties>
-</file>
-
 <file path=customXml/itemProps1.xml><?xml version="1.0" encoding="utf-8"?>
 <ds:datastoreItem xmlns:ds="http://schemas.openxmlformats.org/officeDocument/2006/customXml" ds:itemID="{2D4E15D5-3DA0-48D5-A1EB-6E6496C954DE}">
   <ds:schemaRefs>
@@ -31415,6 +31583,21 @@
 </file>
 
 <file path=customXml/itemProps2.xml><?xml version="1.0" encoding="utf-8"?>
+<ds:datastoreItem xmlns:ds="http://schemas.openxmlformats.org/officeDocument/2006/customXml" ds:itemID="{DE36184D-47B2-40E7-92C5-878778897380}">
+  <ds:schemaRefs>
+    <ds:schemaRef ds:uri="http://purl.org/dc/terms/"/>
+    <ds:schemaRef ds:uri="http://schemas.openxmlformats.org/package/2006/metadata/core-properties"/>
+    <ds:schemaRef ds:uri="http://schemas.microsoft.com/office/2006/documentManagement/types"/>
+    <ds:schemaRef ds:uri="http://schemas.microsoft.com/office/infopath/2007/PartnerControls"/>
+    <ds:schemaRef ds:uri="http://purl.org/dc/elements/1.1/"/>
+    <ds:schemaRef ds:uri="http://schemas.microsoft.com/office/2006/metadata/properties"/>
+    <ds:schemaRef ds:uri="http://www.w3.org/XML/1998/namespace"/>
+    <ds:schemaRef ds:uri="http://purl.org/dc/dcmitype/"/>
+  </ds:schemaRefs>
+</ds:datastoreItem>
+</file>
+
+<file path=customXml/itemProps3.xml><?xml version="1.0" encoding="utf-8"?>
 <ds:datastoreItem xmlns:ds="http://schemas.openxmlformats.org/officeDocument/2006/customXml" ds:itemID="{04E3598C-3ABF-4CFD-A40B-01E1A5233BE7}">
   <ds:schemaRefs>
     <ds:schemaRef ds:uri="http://schemas.microsoft.com/office/2006/metadata/contentType"/>
@@ -31428,19 +31611,4 @@
     <ds:schemaRef ds:uri="http://schemas.microsoft.com/office/infopath/2007/PartnerControls"/>
   </ds:schemaRefs>
 </ds:datastoreItem>
-</file>
-
-<file path=customXml/itemProps3.xml><?xml version="1.0" encoding="utf-8"?>
-<ds:datastoreItem xmlns:ds="http://schemas.openxmlformats.org/officeDocument/2006/customXml" ds:itemID="{DE36184D-47B2-40E7-92C5-878778897380}">
-  <ds:schemaRefs>
-    <ds:schemaRef ds:uri="http://purl.org/dc/terms/"/>
-    <ds:schemaRef ds:uri="http://schemas.openxmlformats.org/package/2006/metadata/core-properties"/>
-    <ds:schemaRef ds:uri="http://schemas.microsoft.com/office/2006/documentManagement/types"/>
-    <ds:schemaRef ds:uri="http://schemas.microsoft.com/office/infopath/2007/PartnerControls"/>
-    <ds:schemaRef ds:uri="http://purl.org/dc/elements/1.1/"/>
-    <ds:schemaRef ds:uri="http://schemas.microsoft.com/office/2006/metadata/properties"/>
-    <ds:schemaRef ds:uri="http://www.w3.org/XML/1998/namespace"/>
-    <ds:schemaRef ds:uri="http://purl.org/dc/dcmitype/"/>
-  </ds:schemaRefs>
-</ds:datastoreItem>
 </file>